--- a/Documentatie/sjabloon affiche project experience - v2.pptx
+++ b/Documentatie/sjabloon affiche project experience - v2.pptx
@@ -115,16 +115,40 @@
 </p:presentation>
 </file>
 
-<file path=ppt/revisionInfo.xml><?xml version="1.0" encoding="utf-8"?>
-<p1510:revInfo xmlns:a="http://schemas.openxmlformats.org/drawingml/2006/main" xmlns:r="http://schemas.openxmlformats.org/officeDocument/2006/relationships" xmlns:p1510="http://schemas.microsoft.com/office/powerpoint/2015/10/main">
-  <p1510:revLst>
-    <p1510:client id="{C4FED9F4-1C3F-4FB5-98AB-9D7C96A49125}" v="2" dt="2024-08-20T09:08:00.328"/>
-  </p1510:revLst>
-</p1510:revInfo>
-</file>
-
 <file path=ppt/changesInfos/changesInfo1.xml><?xml version="1.0" encoding="utf-8"?>
 <pc:chgInfo xmlns:a="http://schemas.openxmlformats.org/drawingml/2006/main" xmlns:r="http://schemas.openxmlformats.org/officeDocument/2006/relationships" xmlns:ac="http://schemas.microsoft.com/office/drawing/2013/main/command" xmlns:pc="http://schemas.microsoft.com/office/powerpoint/2013/main/command">
+  <pc:docChgLst>
+    <pc:chgData name="Kenrie Vandekerckhove" userId="e6da4aef-2ddd-4c79-85e7-49815466d2d9" providerId="ADAL" clId="{E724B577-8723-4755-B134-B0AE8E57A9BF}"/>
+    <pc:docChg chg="modSld">
+      <pc:chgData name="Kenrie Vandekerckhove" userId="e6da4aef-2ddd-4c79-85e7-49815466d2d9" providerId="ADAL" clId="{E724B577-8723-4755-B134-B0AE8E57A9BF}" dt="2024-09-26T13:41:08.712" v="134" actId="20577"/>
+      <pc:docMkLst>
+        <pc:docMk/>
+      </pc:docMkLst>
+      <pc:sldChg chg="modSp mod">
+        <pc:chgData name="Kenrie Vandekerckhove" userId="e6da4aef-2ddd-4c79-85e7-49815466d2d9" providerId="ADAL" clId="{E724B577-8723-4755-B134-B0AE8E57A9BF}" dt="2024-09-26T13:41:08.712" v="134" actId="20577"/>
+        <pc:sldMkLst>
+          <pc:docMk/>
+          <pc:sldMk cId="605389948" sldId="259"/>
+        </pc:sldMkLst>
+        <pc:spChg chg="mod">
+          <ac:chgData name="Kenrie Vandekerckhove" userId="e6da4aef-2ddd-4c79-85e7-49815466d2d9" providerId="ADAL" clId="{E724B577-8723-4755-B134-B0AE8E57A9BF}" dt="2024-09-26T13:39:02.823" v="42" actId="20577"/>
+          <ac:spMkLst>
+            <pc:docMk/>
+            <pc:sldMk cId="605389948" sldId="259"/>
+            <ac:spMk id="3" creationId="{C9484A38-808E-49C3-AC6A-5F38EC734FFE}"/>
+          </ac:spMkLst>
+        </pc:spChg>
+        <pc:spChg chg="mod">
+          <ac:chgData name="Kenrie Vandekerckhove" userId="e6da4aef-2ddd-4c79-85e7-49815466d2d9" providerId="ADAL" clId="{E724B577-8723-4755-B134-B0AE8E57A9BF}" dt="2024-09-26T13:41:08.712" v="134" actId="20577"/>
+          <ac:spMkLst>
+            <pc:docMk/>
+            <pc:sldMk cId="605389948" sldId="259"/>
+            <ac:spMk id="38" creationId="{BF453FA0-7C61-6C1A-4866-179843F539E5}"/>
+          </ac:spMkLst>
+        </pc:spChg>
+      </pc:sldChg>
+    </pc:docChg>
+  </pc:docChgLst>
   <pc:docChgLst>
     <pc:chgData name="Ronny Mees" userId="S::u0082148@vives.be::4689c865-a4c6-4929-b963-b35e7a3f27b0" providerId="AD" clId="Web-{7DDE3AB7-290F-4C9B-B01D-F1A237B2FA97}"/>
     <pc:docChg chg="modSld">
@@ -450,7 +474,7 @@
           <a:p>
             <a:fld id="{CDF7AF62-86D8-402D-B735-90423DD750BA}" type="datetimeFigureOut">
               <a:rPr lang="nl-BE" smtClean="0"/>
-              <a:t>20/08/2024</a:t>
+              <a:t>26/09/2024</a:t>
             </a:fld>
             <a:endParaRPr lang="nl-BE"/>
           </a:p>
@@ -1290,8 +1314,16 @@
               </a:lnSpc>
             </a:pPr>
             <a:r>
+              <a:rPr lang="nl-BE" dirty="0" err="1"/>
+              <a:t>Greenhouse</a:t>
+            </a:r>
+            <a:r>
               <a:rPr lang="nl-BE" dirty="0"/>
-              <a:t>Project titel</a:t>
+              <a:t> </a:t>
+            </a:r>
+            <a:r>
+              <a:rPr lang="nl-BE" dirty="0" err="1"/>
+              <a:t>Sensoring</a:t>
             </a:r>
             <a:br>
               <a:rPr lang="nl-BE" dirty="0">
@@ -1316,7 +1348,7 @@
                   <a:srgbClr val="E00020"/>
                 </a:solidFill>
               </a:rPr>
-              <a:t>Subtitel</a:t>
+              <a:t>meten is weten </a:t>
             </a:r>
             <a:br>
               <a:rPr lang="nl-BE" sz="6000" dirty="0">
@@ -1537,8 +1569,8 @@
         </p:nvSpPr>
         <p:spPr>
           <a:xfrm>
-            <a:off x="16392626" y="38978795"/>
-            <a:ext cx="4766882" cy="2862322"/>
+            <a:off x="15154376" y="39207395"/>
+            <a:ext cx="9964716" cy="1938992"/>
           </a:xfrm>
           <a:prstGeom prst="rect">
             <a:avLst/>
@@ -1552,7 +1584,7 @@
           <a:lstStyle/>
           <a:p>
             <a:r>
-              <a:rPr lang="nl-BE" sz="3000" b="1">
+              <a:rPr lang="nl-BE" sz="3000" b="1" dirty="0">
                 <a:solidFill>
                   <a:srgbClr val="E00020"/>
                 </a:solidFill>
@@ -1566,9 +1598,22 @@
               <a:buChar char="•"/>
             </a:pPr>
             <a:r>
-              <a:rPr lang="nl-BE" sz="3000"/>
-              <a:t>Student 1, jaar en richting</a:t>
-            </a:r>
+              <a:rPr lang="nl-BE" sz="3000" dirty="0"/>
+              <a:t>Xander </a:t>
+            </a:r>
+            <a:r>
+              <a:rPr lang="nl-BE" sz="3000" dirty="0" err="1"/>
+              <a:t>Vyvey</a:t>
+            </a:r>
+            <a:r>
+              <a:rPr lang="nl-BE" sz="3000" dirty="0"/>
+              <a:t>, fase 3 Network &amp; System </a:t>
+            </a:r>
+            <a:r>
+              <a:rPr lang="nl-BE" sz="3000" dirty="0" err="1"/>
+              <a:t>Admin</a:t>
+            </a:r>
+            <a:endParaRPr lang="nl-BE" sz="3000" dirty="0"/>
           </a:p>
           <a:p>
             <a:pPr marL="457200" indent="-457200">
@@ -1576,9 +1621,22 @@
               <a:buChar char="•"/>
             </a:pPr>
             <a:r>
-              <a:rPr lang="nl-BE" sz="3000"/>
-              <a:t>Student 2 , jaar en richting</a:t>
-            </a:r>
+              <a:rPr lang="nl-BE" sz="3000" dirty="0"/>
+              <a:t>Ruben </a:t>
+            </a:r>
+            <a:r>
+              <a:rPr lang="nl-BE" sz="3000" dirty="0" err="1"/>
+              <a:t>Belligh</a:t>
+            </a:r>
+            <a:r>
+              <a:rPr lang="nl-BE" sz="3000" dirty="0"/>
+              <a:t>, fase 3 Network &amp; System </a:t>
+            </a:r>
+            <a:r>
+              <a:rPr lang="nl-BE" sz="3000" dirty="0" err="1"/>
+              <a:t>Admin</a:t>
+            </a:r>
+            <a:endParaRPr lang="nl-BE" sz="3000" dirty="0"/>
           </a:p>
           <a:p>
             <a:pPr marL="457200" indent="-457200">
@@ -1586,29 +1644,14 @@
               <a:buChar char="•"/>
             </a:pPr>
             <a:r>
-              <a:rPr lang="nl-BE" sz="3000"/>
-              <a:t>Student 3 , jaar en richting</a:t>
-            </a:r>
-          </a:p>
-          <a:p>
-            <a:pPr marL="457200" indent="-457200">
-              <a:buFont typeface="Arial" panose="020B0604020202020204" pitchFamily="34" charset="0"/>
-              <a:buChar char="•"/>
-            </a:pPr>
-            <a:r>
-              <a:rPr lang="nl-BE" sz="3000"/>
-              <a:t>Student 4 , jaar en richting</a:t>
-            </a:r>
-          </a:p>
-          <a:p>
-            <a:pPr marL="457200" indent="-457200">
-              <a:buFont typeface="Arial" panose="020B0604020202020204" pitchFamily="34" charset="0"/>
-              <a:buChar char="•"/>
-            </a:pPr>
-            <a:r>
-              <a:rPr lang="nl-BE" sz="3000"/>
-              <a:t>Student 5 , jaar en richting</a:t>
-            </a:r>
+              <a:rPr lang="nl-BE" sz="3000" dirty="0"/>
+              <a:t>Kenrie Vandekerckhove, fase 2 en Network &amp; System </a:t>
+            </a:r>
+            <a:r>
+              <a:rPr lang="nl-BE" sz="3000" dirty="0" err="1"/>
+              <a:t>Admin</a:t>
+            </a:r>
+            <a:endParaRPr lang="nl-BE" sz="3000" dirty="0"/>
           </a:p>
         </p:txBody>
       </p:sp>
@@ -2794,6 +2837,26 @@
 </file>
 
 <file path=customXml/item1.xml><?xml version="1.0" encoding="utf-8"?>
+<p:properties xmlns:p="http://schemas.microsoft.com/office/2006/metadata/properties" xmlns:xsi="http://www.w3.org/2001/XMLSchema-instance" xmlns:pc="http://schemas.microsoft.com/office/infopath/2007/PartnerControls">
+  <documentManagement>
+    <TaxCatchAll xmlns="f921bb7d-4033-42bd-968a-881fd459c073" xsi:nil="true"/>
+    <lcf76f155ced4ddcb4097134ff3c332f xmlns="7af3f08f-6b65-4c98-b033-853692dc00be">
+      <Terms xmlns="http://schemas.microsoft.com/office/infopath/2007/PartnerControls"/>
+    </lcf76f155ced4ddcb4097134ff3c332f>
+  </documentManagement>
+</p:properties>
+</file>
+
+<file path=customXml/item2.xml><?xml version="1.0" encoding="utf-8"?>
+<?mso-contentType ?>
+<FormTemplates xmlns="http://schemas.microsoft.com/sharepoint/v3/contenttype/forms">
+  <Display>DocumentLibraryForm</Display>
+  <Edit>DocumentLibraryForm</Edit>
+  <New>DocumentLibraryForm</New>
+</FormTemplates>
+</file>
+
+<file path=customXml/item3.xml><?xml version="1.0" encoding="utf-8"?>
 <ct:contentTypeSchema xmlns:ct="http://schemas.microsoft.com/office/2006/metadata/contentType" xmlns:ma="http://schemas.microsoft.com/office/2006/metadata/properties/metaAttributes" ct:_="" ma:_="" ma:contentTypeName="Document" ma:contentTypeID="0x0101001EA315BEEDAF0940BE0419D11160810D" ma:contentTypeVersion="13" ma:contentTypeDescription="Een nieuw document maken." ma:contentTypeScope="" ma:versionID="65cc36ba5ecf2b8ae38cfb5d3600ecb6">
   <xsd:schema xmlns:xsd="http://www.w3.org/2001/XMLSchema" xmlns:xs="http://www.w3.org/2001/XMLSchema" xmlns:p="http://schemas.microsoft.com/office/2006/metadata/properties" xmlns:ns2="7af3f08f-6b65-4c98-b033-853692dc00be" xmlns:ns3="f921bb7d-4033-42bd-968a-881fd459c073" targetNamespace="http://schemas.microsoft.com/office/2006/metadata/properties" ma:root="true" ma:fieldsID="4337c3901829783fe22243fefdc46442" ns2:_="" ns3:_="">
     <xsd:import namespace="7af3f08f-6b65-4c98-b033-853692dc00be"/>
@@ -3000,27 +3063,32 @@
 </ct:contentTypeSchema>
 </file>
 
-<file path=customXml/item2.xml><?xml version="1.0" encoding="utf-8"?>
-<?mso-contentType ?>
-<FormTemplates xmlns="http://schemas.microsoft.com/sharepoint/v3/contenttype/forms">
-  <Display>DocumentLibraryForm</Display>
-  <Edit>DocumentLibraryForm</Edit>
-  <New>DocumentLibraryForm</New>
-</FormTemplates>
+<file path=customXml/itemProps1.xml><?xml version="1.0" encoding="utf-8"?>
+<ds:datastoreItem xmlns:ds="http://schemas.openxmlformats.org/officeDocument/2006/customXml" ds:itemID="{B247EB90-66CA-4409-98FF-5024AA619E64}">
+  <ds:schemaRefs>
+    <ds:schemaRef ds:uri="7af3f08f-6b65-4c98-b033-853692dc00be"/>
+    <ds:schemaRef ds:uri="f921bb7d-4033-42bd-968a-881fd459c073"/>
+    <ds:schemaRef ds:uri="http://purl.org/dc/dcmitype/"/>
+    <ds:schemaRef ds:uri="http://purl.org/dc/elements/1.1/"/>
+    <ds:schemaRef ds:uri="http://purl.org/dc/terms/"/>
+    <ds:schemaRef ds:uri="http://schemas.microsoft.com/office/2006/documentManagement/types"/>
+    <ds:schemaRef ds:uri="http://schemas.microsoft.com/office/2006/metadata/properties"/>
+    <ds:schemaRef ds:uri="http://schemas.microsoft.com/office/infopath/2007/PartnerControls"/>
+    <ds:schemaRef ds:uri="http://schemas.openxmlformats.org/package/2006/metadata/core-properties"/>
+    <ds:schemaRef ds:uri="http://www.w3.org/XML/1998/namespace"/>
+  </ds:schemaRefs>
+</ds:datastoreItem>
 </file>
 
-<file path=customXml/item3.xml><?xml version="1.0" encoding="utf-8"?>
-<p:properties xmlns:p="http://schemas.microsoft.com/office/2006/metadata/properties" xmlns:xsi="http://www.w3.org/2001/XMLSchema-instance" xmlns:pc="http://schemas.microsoft.com/office/infopath/2007/PartnerControls">
-  <documentManagement>
-    <TaxCatchAll xmlns="f921bb7d-4033-42bd-968a-881fd459c073" xsi:nil="true"/>
-    <lcf76f155ced4ddcb4097134ff3c332f xmlns="7af3f08f-6b65-4c98-b033-853692dc00be">
-      <Terms xmlns="http://schemas.microsoft.com/office/infopath/2007/PartnerControls"/>
-    </lcf76f155ced4ddcb4097134ff3c332f>
-  </documentManagement>
-</p:properties>
+<file path=customXml/itemProps2.xml><?xml version="1.0" encoding="utf-8"?>
+<ds:datastoreItem xmlns:ds="http://schemas.openxmlformats.org/officeDocument/2006/customXml" ds:itemID="{E1FA04DA-A2C1-4A00-9FA4-1F6991DECE56}">
+  <ds:schemaRefs>
+    <ds:schemaRef ds:uri="http://schemas.microsoft.com/sharepoint/v3/contenttype/forms"/>
+  </ds:schemaRefs>
+</ds:datastoreItem>
 </file>
 
-<file path=customXml/itemProps1.xml><?xml version="1.0" encoding="utf-8"?>
+<file path=customXml/itemProps3.xml><?xml version="1.0" encoding="utf-8"?>
 <ds:datastoreItem xmlns:ds="http://schemas.openxmlformats.org/officeDocument/2006/customXml" ds:itemID="{B09BCEE1-615B-41DE-9A08-D2B491EEAFBE}">
   <ds:schemaRefs>
     <ds:schemaRef ds:uri="7af3f08f-6b65-4c98-b033-853692dc00be"/>
@@ -3037,29 +3105,4 @@
     <ds:schemaRef ds:uri="http://www.w3.org/2001/XMLSchema"/>
   </ds:schemaRefs>
 </ds:datastoreItem>
-</file>
-
-<file path=customXml/itemProps2.xml><?xml version="1.0" encoding="utf-8"?>
-<ds:datastoreItem xmlns:ds="http://schemas.openxmlformats.org/officeDocument/2006/customXml" ds:itemID="{E1FA04DA-A2C1-4A00-9FA4-1F6991DECE56}">
-  <ds:schemaRefs>
-    <ds:schemaRef ds:uri="http://schemas.microsoft.com/sharepoint/v3/contenttype/forms"/>
-  </ds:schemaRefs>
-</ds:datastoreItem>
-</file>
-
-<file path=customXml/itemProps3.xml><?xml version="1.0" encoding="utf-8"?>
-<ds:datastoreItem xmlns:ds="http://schemas.openxmlformats.org/officeDocument/2006/customXml" ds:itemID="{B247EB90-66CA-4409-98FF-5024AA619E64}">
-  <ds:schemaRefs>
-    <ds:schemaRef ds:uri="7af3f08f-6b65-4c98-b033-853692dc00be"/>
-    <ds:schemaRef ds:uri="f921bb7d-4033-42bd-968a-881fd459c073"/>
-    <ds:schemaRef ds:uri="http://purl.org/dc/dcmitype/"/>
-    <ds:schemaRef ds:uri="http://purl.org/dc/elements/1.1/"/>
-    <ds:schemaRef ds:uri="http://purl.org/dc/terms/"/>
-    <ds:schemaRef ds:uri="http://schemas.microsoft.com/office/2006/documentManagement/types"/>
-    <ds:schemaRef ds:uri="http://schemas.microsoft.com/office/2006/metadata/properties"/>
-    <ds:schemaRef ds:uri="http://schemas.microsoft.com/office/infopath/2007/PartnerControls"/>
-    <ds:schemaRef ds:uri="http://schemas.openxmlformats.org/package/2006/metadata/core-properties"/>
-    <ds:schemaRef ds:uri="http://www.w3.org/XML/1998/namespace"/>
-  </ds:schemaRefs>
-</ds:datastoreItem>
 </file>
--- a/Documentatie/sjabloon affiche project experience - v2.pptx
+++ b/Documentatie/sjabloon affiche project experience - v2.pptx
@@ -118,86 +118,6 @@
 <file path=ppt/changesInfos/changesInfo1.xml><?xml version="1.0" encoding="utf-8"?>
 <pc:chgInfo xmlns:a="http://schemas.openxmlformats.org/drawingml/2006/main" xmlns:r="http://schemas.openxmlformats.org/officeDocument/2006/relationships" xmlns:ac="http://schemas.microsoft.com/office/drawing/2013/main/command" xmlns:pc="http://schemas.microsoft.com/office/powerpoint/2013/main/command">
   <pc:docChgLst>
-    <pc:chgData name="Kenrie Vandekerckhove" userId="e6da4aef-2ddd-4c79-85e7-49815466d2d9" providerId="ADAL" clId="{E724B577-8723-4755-B134-B0AE8E57A9BF}"/>
-    <pc:docChg chg="modSld">
-      <pc:chgData name="Kenrie Vandekerckhove" userId="e6da4aef-2ddd-4c79-85e7-49815466d2d9" providerId="ADAL" clId="{E724B577-8723-4755-B134-B0AE8E57A9BF}" dt="2024-09-26T13:41:08.712" v="134" actId="20577"/>
-      <pc:docMkLst>
-        <pc:docMk/>
-      </pc:docMkLst>
-      <pc:sldChg chg="modSp mod">
-        <pc:chgData name="Kenrie Vandekerckhove" userId="e6da4aef-2ddd-4c79-85e7-49815466d2d9" providerId="ADAL" clId="{E724B577-8723-4755-B134-B0AE8E57A9BF}" dt="2024-09-26T13:41:08.712" v="134" actId="20577"/>
-        <pc:sldMkLst>
-          <pc:docMk/>
-          <pc:sldMk cId="605389948" sldId="259"/>
-        </pc:sldMkLst>
-        <pc:spChg chg="mod">
-          <ac:chgData name="Kenrie Vandekerckhove" userId="e6da4aef-2ddd-4c79-85e7-49815466d2d9" providerId="ADAL" clId="{E724B577-8723-4755-B134-B0AE8E57A9BF}" dt="2024-09-26T13:39:02.823" v="42" actId="20577"/>
-          <ac:spMkLst>
-            <pc:docMk/>
-            <pc:sldMk cId="605389948" sldId="259"/>
-            <ac:spMk id="3" creationId="{C9484A38-808E-49C3-AC6A-5F38EC734FFE}"/>
-          </ac:spMkLst>
-        </pc:spChg>
-        <pc:spChg chg="mod">
-          <ac:chgData name="Kenrie Vandekerckhove" userId="e6da4aef-2ddd-4c79-85e7-49815466d2d9" providerId="ADAL" clId="{E724B577-8723-4755-B134-B0AE8E57A9BF}" dt="2024-09-26T13:41:08.712" v="134" actId="20577"/>
-          <ac:spMkLst>
-            <pc:docMk/>
-            <pc:sldMk cId="605389948" sldId="259"/>
-            <ac:spMk id="38" creationId="{BF453FA0-7C61-6C1A-4866-179843F539E5}"/>
-          </ac:spMkLst>
-        </pc:spChg>
-      </pc:sldChg>
-    </pc:docChg>
-  </pc:docChgLst>
-  <pc:docChgLst>
-    <pc:chgData name="Ronny Mees" userId="S::u0082148@vives.be::4689c865-a4c6-4929-b963-b35e7a3f27b0" providerId="AD" clId="Web-{7DDE3AB7-290F-4C9B-B01D-F1A237B2FA97}"/>
-    <pc:docChg chg="modSld">
-      <pc:chgData name="Ronny Mees" userId="S::u0082148@vives.be::4689c865-a4c6-4929-b963-b35e7a3f27b0" providerId="AD" clId="Web-{7DDE3AB7-290F-4C9B-B01D-F1A237B2FA97}" dt="2023-09-18T13:22:25.948" v="0" actId="14100"/>
-      <pc:docMkLst>
-        <pc:docMk/>
-      </pc:docMkLst>
-      <pc:sldChg chg="modSp">
-        <pc:chgData name="Ronny Mees" userId="S::u0082148@vives.be::4689c865-a4c6-4929-b963-b35e7a3f27b0" providerId="AD" clId="Web-{7DDE3AB7-290F-4C9B-B01D-F1A237B2FA97}" dt="2023-09-18T13:22:25.948" v="0" actId="14100"/>
-        <pc:sldMkLst>
-          <pc:docMk/>
-          <pc:sldMk cId="605389948" sldId="259"/>
-        </pc:sldMkLst>
-        <pc:spChg chg="mod">
-          <ac:chgData name="Ronny Mees" userId="S::u0082148@vives.be::4689c865-a4c6-4929-b963-b35e7a3f27b0" providerId="AD" clId="Web-{7DDE3AB7-290F-4C9B-B01D-F1A237B2FA97}" dt="2023-09-18T13:22:25.948" v="0" actId="14100"/>
-          <ac:spMkLst>
-            <pc:docMk/>
-            <pc:sldMk cId="605389948" sldId="259"/>
-            <ac:spMk id="44" creationId="{009258B9-4186-3293-B7AB-AA427CC4DA30}"/>
-          </ac:spMkLst>
-        </pc:spChg>
-      </pc:sldChg>
-    </pc:docChg>
-  </pc:docChgLst>
-  <pc:docChgLst>
-    <pc:chgData name="Pedro Calleeuw" userId="S::u0082069@vives.be::6dc829ca-d81c-423f-9477-9e81d2e50592" providerId="AD" clId="Web-{62FDB2C8-10B5-4205-8F86-FE7A446D539E}"/>
-    <pc:docChg chg="modSld">
-      <pc:chgData name="Pedro Calleeuw" userId="S::u0082069@vives.be::6dc829ca-d81c-423f-9477-9e81d2e50592" providerId="AD" clId="Web-{62FDB2C8-10B5-4205-8F86-FE7A446D539E}" dt="2023-09-26T06:16:12.191" v="0"/>
-      <pc:docMkLst>
-        <pc:docMk/>
-      </pc:docMkLst>
-      <pc:sldChg chg="modSp">
-        <pc:chgData name="Pedro Calleeuw" userId="S::u0082069@vives.be::6dc829ca-d81c-423f-9477-9e81d2e50592" providerId="AD" clId="Web-{62FDB2C8-10B5-4205-8F86-FE7A446D539E}" dt="2023-09-26T06:16:12.191" v="0"/>
-        <pc:sldMkLst>
-          <pc:docMk/>
-          <pc:sldMk cId="605389948" sldId="259"/>
-        </pc:sldMkLst>
-        <pc:spChg chg="mod">
-          <ac:chgData name="Pedro Calleeuw" userId="S::u0082069@vives.be::6dc829ca-d81c-423f-9477-9e81d2e50592" providerId="AD" clId="Web-{62FDB2C8-10B5-4205-8F86-FE7A446D539E}" dt="2023-09-26T06:16:12.191" v="0"/>
-          <ac:spMkLst>
-            <pc:docMk/>
-            <pc:sldMk cId="605389948" sldId="259"/>
-            <ac:spMk id="32" creationId="{393167BD-734E-F686-52B8-C19524E9CA4E}"/>
-          </ac:spMkLst>
-        </pc:spChg>
-      </pc:sldChg>
-    </pc:docChg>
-  </pc:docChgLst>
-  <pc:docChgLst>
     <pc:chgData name="Mathieu Leroy" userId="08ea5e48-81be-492f-a7c6-c75dd17a45b1" providerId="ADAL" clId="{152AAC23-DBA4-4958-9A26-CD153ABA8D57}"/>
     <pc:docChg chg="undo redo custSel modSld">
       <pc:chgData name="Mathieu Leroy" userId="08ea5e48-81be-492f-a7c6-c75dd17a45b1" providerId="ADAL" clId="{152AAC23-DBA4-4958-9A26-CD153ABA8D57}" dt="2023-09-18T13:11:54.126" v="40" actId="207"/>
@@ -250,6 +170,54 @@
             <ac:picMk id="42" creationId="{46565EF2-5F1F-216A-A7BE-591F9ED27A6C}"/>
           </ac:picMkLst>
         </pc:picChg>
+      </pc:sldChg>
+    </pc:docChg>
+  </pc:docChgLst>
+  <pc:docChgLst>
+    <pc:chgData name="Pedro Calleeuw" userId="S::u0082069@vives.be::6dc829ca-d81c-423f-9477-9e81d2e50592" providerId="AD" clId="Web-{62FDB2C8-10B5-4205-8F86-FE7A446D539E}"/>
+    <pc:docChg chg="modSld">
+      <pc:chgData name="Pedro Calleeuw" userId="S::u0082069@vives.be::6dc829ca-d81c-423f-9477-9e81d2e50592" providerId="AD" clId="Web-{62FDB2C8-10B5-4205-8F86-FE7A446D539E}" dt="2023-09-26T06:16:12.191" v="0"/>
+      <pc:docMkLst>
+        <pc:docMk/>
+      </pc:docMkLst>
+      <pc:sldChg chg="modSp">
+        <pc:chgData name="Pedro Calleeuw" userId="S::u0082069@vives.be::6dc829ca-d81c-423f-9477-9e81d2e50592" providerId="AD" clId="Web-{62FDB2C8-10B5-4205-8F86-FE7A446D539E}" dt="2023-09-26T06:16:12.191" v="0"/>
+        <pc:sldMkLst>
+          <pc:docMk/>
+          <pc:sldMk cId="605389948" sldId="259"/>
+        </pc:sldMkLst>
+        <pc:spChg chg="mod">
+          <ac:chgData name="Pedro Calleeuw" userId="S::u0082069@vives.be::6dc829ca-d81c-423f-9477-9e81d2e50592" providerId="AD" clId="Web-{62FDB2C8-10B5-4205-8F86-FE7A446D539E}" dt="2023-09-26T06:16:12.191" v="0"/>
+          <ac:spMkLst>
+            <pc:docMk/>
+            <pc:sldMk cId="605389948" sldId="259"/>
+            <ac:spMk id="32" creationId="{393167BD-734E-F686-52B8-C19524E9CA4E}"/>
+          </ac:spMkLst>
+        </pc:spChg>
+      </pc:sldChg>
+    </pc:docChg>
+  </pc:docChgLst>
+  <pc:docChgLst>
+    <pc:chgData name="Ronny Mees" userId="S::u0082148@vives.be::4689c865-a4c6-4929-b963-b35e7a3f27b0" providerId="AD" clId="Web-{7DDE3AB7-290F-4C9B-B01D-F1A237B2FA97}"/>
+    <pc:docChg chg="modSld">
+      <pc:chgData name="Ronny Mees" userId="S::u0082148@vives.be::4689c865-a4c6-4929-b963-b35e7a3f27b0" providerId="AD" clId="Web-{7DDE3AB7-290F-4C9B-B01D-F1A237B2FA97}" dt="2023-09-18T13:22:25.948" v="0" actId="14100"/>
+      <pc:docMkLst>
+        <pc:docMk/>
+      </pc:docMkLst>
+      <pc:sldChg chg="modSp">
+        <pc:chgData name="Ronny Mees" userId="S::u0082148@vives.be::4689c865-a4c6-4929-b963-b35e7a3f27b0" providerId="AD" clId="Web-{7DDE3AB7-290F-4C9B-B01D-F1A237B2FA97}" dt="2023-09-18T13:22:25.948" v="0" actId="14100"/>
+        <pc:sldMkLst>
+          <pc:docMk/>
+          <pc:sldMk cId="605389948" sldId="259"/>
+        </pc:sldMkLst>
+        <pc:spChg chg="mod">
+          <ac:chgData name="Ronny Mees" userId="S::u0082148@vives.be::4689c865-a4c6-4929-b963-b35e7a3f27b0" providerId="AD" clId="Web-{7DDE3AB7-290F-4C9B-B01D-F1A237B2FA97}" dt="2023-09-18T13:22:25.948" v="0" actId="14100"/>
+          <ac:spMkLst>
+            <pc:docMk/>
+            <pc:sldMk cId="605389948" sldId="259"/>
+            <ac:spMk id="44" creationId="{009258B9-4186-3293-B7AB-AA427CC4DA30}"/>
+          </ac:spMkLst>
+        </pc:spChg>
       </pc:sldChg>
     </pc:docChg>
   </pc:docChgLst>
@@ -389,6 +357,38 @@
       </pc:sldMasterChg>
     </pc:docChg>
   </pc:docChgLst>
+  <pc:docChgLst>
+    <pc:chgData name="Kenrie Vandekerckhove" userId="e6da4aef-2ddd-4c79-85e7-49815466d2d9" providerId="ADAL" clId="{E724B577-8723-4755-B134-B0AE8E57A9BF}"/>
+    <pc:docChg chg="modSld">
+      <pc:chgData name="Kenrie Vandekerckhove" userId="e6da4aef-2ddd-4c79-85e7-49815466d2d9" providerId="ADAL" clId="{E724B577-8723-4755-B134-B0AE8E57A9BF}" dt="2024-09-26T13:41:08.712" v="134" actId="20577"/>
+      <pc:docMkLst>
+        <pc:docMk/>
+      </pc:docMkLst>
+      <pc:sldChg chg="modSp mod">
+        <pc:chgData name="Kenrie Vandekerckhove" userId="e6da4aef-2ddd-4c79-85e7-49815466d2d9" providerId="ADAL" clId="{E724B577-8723-4755-B134-B0AE8E57A9BF}" dt="2024-09-26T13:41:08.712" v="134" actId="20577"/>
+        <pc:sldMkLst>
+          <pc:docMk/>
+          <pc:sldMk cId="605389948" sldId="259"/>
+        </pc:sldMkLst>
+        <pc:spChg chg="mod">
+          <ac:chgData name="Kenrie Vandekerckhove" userId="e6da4aef-2ddd-4c79-85e7-49815466d2d9" providerId="ADAL" clId="{E724B577-8723-4755-B134-B0AE8E57A9BF}" dt="2024-09-26T13:39:02.823" v="42" actId="20577"/>
+          <ac:spMkLst>
+            <pc:docMk/>
+            <pc:sldMk cId="605389948" sldId="259"/>
+            <ac:spMk id="3" creationId="{C9484A38-808E-49C3-AC6A-5F38EC734FFE}"/>
+          </ac:spMkLst>
+        </pc:spChg>
+        <pc:spChg chg="mod">
+          <ac:chgData name="Kenrie Vandekerckhove" userId="e6da4aef-2ddd-4c79-85e7-49815466d2d9" providerId="ADAL" clId="{E724B577-8723-4755-B134-B0AE8E57A9BF}" dt="2024-09-26T13:41:08.712" v="134" actId="20577"/>
+          <ac:spMkLst>
+            <pc:docMk/>
+            <pc:sldMk cId="605389948" sldId="259"/>
+            <ac:spMk id="38" creationId="{BF453FA0-7C61-6C1A-4866-179843F539E5}"/>
+          </ac:spMkLst>
+        </pc:spChg>
+      </pc:sldChg>
+    </pc:docChg>
+  </pc:docChgLst>
 </pc:chgInfo>
 </file>
 
@@ -474,7 +474,7 @@
           <a:p>
             <a:fld id="{CDF7AF62-86D8-402D-B735-90423DD750BA}" type="datetimeFigureOut">
               <a:rPr lang="nl-BE" smtClean="0"/>
-              <a:t>26/09/2024</a:t>
+              <a:t>3/10/2024</a:t>
             </a:fld>
             <a:endParaRPr lang="nl-BE"/>
           </a:p>
@@ -1343,12 +1343,13 @@
               </a:rPr>
             </a:br>
             <a:r>
-              <a:rPr lang="nl-BE" sz="6000" dirty="0">
+              <a:rPr lang="nl-BE" sz="6000" b="1" dirty="0">
                 <a:solidFill>
                   <a:srgbClr val="E00020"/>
                 </a:solidFill>
+                <a:latin typeface="Sagona" panose="020F0502020204030204" pitchFamily="2" charset="0"/>
               </a:rPr>
-              <a:t>meten is weten </a:t>
+              <a:t>Meten Is Weten!</a:t>
             </a:r>
             <a:br>
               <a:rPr lang="nl-BE" sz="6000" dirty="0">
@@ -1371,21 +1372,83 @@
               </a:rPr>
             </a:br>
             <a:r>
-              <a:rPr lang="nl-BE" sz="3000" dirty="0">
+              <a:rPr lang="nl-NL" sz="3000" dirty="0">
                 <a:solidFill>
-                  <a:schemeClr val="accent6">
-                    <a:lumMod val="60000"/>
-                    <a:lumOff val="40000"/>
+                  <a:schemeClr val="tx2">
+                    <a:lumMod val="40000"/>
+                    <a:lumOff val="60000"/>
                   </a:schemeClr>
                 </a:solidFill>
               </a:rPr>
-              <a:t>Omschrijving van de casus en jullie uitwerking, gebruikte leerstof en componenten.</a:t>
-            </a:r>
-            <a:endParaRPr lang="nl-BE" dirty="0">
+              <a:t>Het doel van ons project is om de groei en gezondheid van planten te monitoren. Dit systeem verzamelt gegevens zoals bodemvochtigheid, temperatuur, lichtintensiteit en andere omgevingsfactoren die van invloed zijn op de plant. Het biedt gebruikers real-time informatie en waarschuwt hen wanneer de plant extra aandacht nodig heeft, bijvoorbeeld bij te weinig water of slechte lichtomstandigheden.</a:t>
+            </a:r>
+            <a:br>
+              <a:rPr lang="nl-NL" sz="3000" dirty="0">
+                <a:solidFill>
+                  <a:schemeClr val="tx2">
+                    <a:lumMod val="40000"/>
+                    <a:lumOff val="60000"/>
+                  </a:schemeClr>
+                </a:solidFill>
+              </a:rPr>
+            </a:br>
+            <a:br>
+              <a:rPr lang="nl-NL" sz="3000" dirty="0">
+                <a:solidFill>
+                  <a:schemeClr val="tx2">
+                    <a:lumMod val="40000"/>
+                    <a:lumOff val="60000"/>
+                  </a:schemeClr>
+                </a:solidFill>
+              </a:rPr>
+            </a:br>
+            <a:r>
+              <a:rPr lang="nl-NL" sz="3000" dirty="0">
+                <a:solidFill>
+                  <a:schemeClr val="tx2">
+                    <a:lumMod val="40000"/>
+                    <a:lumOff val="60000"/>
+                  </a:schemeClr>
+                </a:solidFill>
+              </a:rPr>
+              <a:t>Ons project bestaat uit het ontwerpen en implementeren van een sensor-gebaseerd systeem. We hebben een ESP32 gebruikt om de gegevens van de sensoren te verzamelen. Deze data zal dan verwerkt worden en zal andere </a:t>
+            </a:r>
+            <a:r>
+              <a:rPr lang="nl-NL" sz="3000">
+                <a:solidFill>
+                  <a:schemeClr val="tx2">
+                    <a:lumMod val="40000"/>
+                    <a:lumOff val="60000"/>
+                  </a:schemeClr>
+                </a:solidFill>
+              </a:rPr>
+              <a:t>componenten aansturen.</a:t>
+            </a:r>
+            <a:br>
+              <a:rPr lang="nl-NL" sz="3000" dirty="0">
+                <a:solidFill>
+                  <a:schemeClr val="tx2">
+                    <a:lumMod val="40000"/>
+                    <a:lumOff val="60000"/>
+                  </a:schemeClr>
+                </a:solidFill>
+              </a:rPr>
+            </a:br>
+            <a:br>
+              <a:rPr lang="nl-NL" sz="3000" dirty="0">
+                <a:solidFill>
+                  <a:schemeClr val="tx2">
+                    <a:lumMod val="40000"/>
+                    <a:lumOff val="60000"/>
+                  </a:schemeClr>
+                </a:solidFill>
+              </a:rPr>
+            </a:br>
+            <a:endParaRPr lang="nl-BE" sz="3000" dirty="0">
               <a:solidFill>
-                <a:schemeClr val="accent6">
-                  <a:lumMod val="60000"/>
-                  <a:lumOff val="40000"/>
+                <a:schemeClr val="tx2">
+                  <a:lumMod val="40000"/>
+                  <a:lumOff val="60000"/>
                 </a:schemeClr>
               </a:solidFill>
             </a:endParaRPr>
@@ -1671,14 +1734,13 @@
         </p:nvPicPr>
         <p:blipFill>
           <a:blip r:embed="rId2"/>
-          <a:stretch>
-            <a:fillRect/>
-          </a:stretch>
+          <a:srcRect/>
+          <a:stretch/>
         </p:blipFill>
         <p:spPr>
           <a:xfrm>
-            <a:off x="25868671" y="38340118"/>
-            <a:ext cx="3946043" cy="3974534"/>
+            <a:off x="25868671" y="38354363"/>
+            <a:ext cx="3946043" cy="3946043"/>
           </a:xfrm>
           <a:prstGeom prst="rect">
             <a:avLst/>
@@ -2269,9 +2331,9 @@
             </a:endParaRPr>
           </a:p>
           <a:p>
-            <a:pPr marL="457200" indent="-457200">
+            <a:pPr marL="571500" indent="-571500">
               <a:buFont typeface="Wingdings" panose="05000000000000000000" pitchFamily="2" charset="2"/>
-              <a:buChar char="þ"/>
+              <a:buChar char="¨"/>
             </a:pPr>
             <a:r>
               <a:rPr lang="en-GB" sz="3600" dirty="0">
@@ -2837,26 +2899,6 @@
 </file>
 
 <file path=customXml/item1.xml><?xml version="1.0" encoding="utf-8"?>
-<p:properties xmlns:p="http://schemas.microsoft.com/office/2006/metadata/properties" xmlns:xsi="http://www.w3.org/2001/XMLSchema-instance" xmlns:pc="http://schemas.microsoft.com/office/infopath/2007/PartnerControls">
-  <documentManagement>
-    <TaxCatchAll xmlns="f921bb7d-4033-42bd-968a-881fd459c073" xsi:nil="true"/>
-    <lcf76f155ced4ddcb4097134ff3c332f xmlns="7af3f08f-6b65-4c98-b033-853692dc00be">
-      <Terms xmlns="http://schemas.microsoft.com/office/infopath/2007/PartnerControls"/>
-    </lcf76f155ced4ddcb4097134ff3c332f>
-  </documentManagement>
-</p:properties>
-</file>
-
-<file path=customXml/item2.xml><?xml version="1.0" encoding="utf-8"?>
-<?mso-contentType ?>
-<FormTemplates xmlns="http://schemas.microsoft.com/sharepoint/v3/contenttype/forms">
-  <Display>DocumentLibraryForm</Display>
-  <Edit>DocumentLibraryForm</Edit>
-  <New>DocumentLibraryForm</New>
-</FormTemplates>
-</file>
-
-<file path=customXml/item3.xml><?xml version="1.0" encoding="utf-8"?>
 <ct:contentTypeSchema xmlns:ct="http://schemas.microsoft.com/office/2006/metadata/contentType" xmlns:ma="http://schemas.microsoft.com/office/2006/metadata/properties/metaAttributes" ct:_="" ma:_="" ma:contentTypeName="Document" ma:contentTypeID="0x0101001EA315BEEDAF0940BE0419D11160810D" ma:contentTypeVersion="13" ma:contentTypeDescription="Een nieuw document maken." ma:contentTypeScope="" ma:versionID="65cc36ba5ecf2b8ae38cfb5d3600ecb6">
   <xsd:schema xmlns:xsd="http://www.w3.org/2001/XMLSchema" xmlns:xs="http://www.w3.org/2001/XMLSchema" xmlns:p="http://schemas.microsoft.com/office/2006/metadata/properties" xmlns:ns2="7af3f08f-6b65-4c98-b033-853692dc00be" xmlns:ns3="f921bb7d-4033-42bd-968a-881fd459c073" targetNamespace="http://schemas.microsoft.com/office/2006/metadata/properties" ma:root="true" ma:fieldsID="4337c3901829783fe22243fefdc46442" ns2:_="" ns3:_="">
     <xsd:import namespace="7af3f08f-6b65-4c98-b033-853692dc00be"/>
@@ -3063,32 +3105,27 @@
 </ct:contentTypeSchema>
 </file>
 
-<file path=customXml/itemProps1.xml><?xml version="1.0" encoding="utf-8"?>
-<ds:datastoreItem xmlns:ds="http://schemas.openxmlformats.org/officeDocument/2006/customXml" ds:itemID="{B247EB90-66CA-4409-98FF-5024AA619E64}">
-  <ds:schemaRefs>
-    <ds:schemaRef ds:uri="7af3f08f-6b65-4c98-b033-853692dc00be"/>
-    <ds:schemaRef ds:uri="f921bb7d-4033-42bd-968a-881fd459c073"/>
-    <ds:schemaRef ds:uri="http://purl.org/dc/dcmitype/"/>
-    <ds:schemaRef ds:uri="http://purl.org/dc/elements/1.1/"/>
-    <ds:schemaRef ds:uri="http://purl.org/dc/terms/"/>
-    <ds:schemaRef ds:uri="http://schemas.microsoft.com/office/2006/documentManagement/types"/>
-    <ds:schemaRef ds:uri="http://schemas.microsoft.com/office/2006/metadata/properties"/>
-    <ds:schemaRef ds:uri="http://schemas.microsoft.com/office/infopath/2007/PartnerControls"/>
-    <ds:schemaRef ds:uri="http://schemas.openxmlformats.org/package/2006/metadata/core-properties"/>
-    <ds:schemaRef ds:uri="http://www.w3.org/XML/1998/namespace"/>
-  </ds:schemaRefs>
-</ds:datastoreItem>
+<file path=customXml/item2.xml><?xml version="1.0" encoding="utf-8"?>
+<?mso-contentType ?>
+<FormTemplates xmlns="http://schemas.microsoft.com/sharepoint/v3/contenttype/forms">
+  <Display>DocumentLibraryForm</Display>
+  <Edit>DocumentLibraryForm</Edit>
+  <New>DocumentLibraryForm</New>
+</FormTemplates>
 </file>
 
-<file path=customXml/itemProps2.xml><?xml version="1.0" encoding="utf-8"?>
-<ds:datastoreItem xmlns:ds="http://schemas.openxmlformats.org/officeDocument/2006/customXml" ds:itemID="{E1FA04DA-A2C1-4A00-9FA4-1F6991DECE56}">
-  <ds:schemaRefs>
-    <ds:schemaRef ds:uri="http://schemas.microsoft.com/sharepoint/v3/contenttype/forms"/>
-  </ds:schemaRefs>
-</ds:datastoreItem>
+<file path=customXml/item3.xml><?xml version="1.0" encoding="utf-8"?>
+<p:properties xmlns:p="http://schemas.microsoft.com/office/2006/metadata/properties" xmlns:xsi="http://www.w3.org/2001/XMLSchema-instance" xmlns:pc="http://schemas.microsoft.com/office/infopath/2007/PartnerControls">
+  <documentManagement>
+    <TaxCatchAll xmlns="f921bb7d-4033-42bd-968a-881fd459c073" xsi:nil="true"/>
+    <lcf76f155ced4ddcb4097134ff3c332f xmlns="7af3f08f-6b65-4c98-b033-853692dc00be">
+      <Terms xmlns="http://schemas.microsoft.com/office/infopath/2007/PartnerControls"/>
+    </lcf76f155ced4ddcb4097134ff3c332f>
+  </documentManagement>
+</p:properties>
 </file>
 
-<file path=customXml/itemProps3.xml><?xml version="1.0" encoding="utf-8"?>
+<file path=customXml/itemProps1.xml><?xml version="1.0" encoding="utf-8"?>
 <ds:datastoreItem xmlns:ds="http://schemas.openxmlformats.org/officeDocument/2006/customXml" ds:itemID="{B09BCEE1-615B-41DE-9A08-D2B491EEAFBE}">
   <ds:schemaRefs>
     <ds:schemaRef ds:uri="7af3f08f-6b65-4c98-b033-853692dc00be"/>
@@ -3105,4 +3142,29 @@
     <ds:schemaRef ds:uri="http://www.w3.org/2001/XMLSchema"/>
   </ds:schemaRefs>
 </ds:datastoreItem>
+</file>
+
+<file path=customXml/itemProps2.xml><?xml version="1.0" encoding="utf-8"?>
+<ds:datastoreItem xmlns:ds="http://schemas.openxmlformats.org/officeDocument/2006/customXml" ds:itemID="{E1FA04DA-A2C1-4A00-9FA4-1F6991DECE56}">
+  <ds:schemaRefs>
+    <ds:schemaRef ds:uri="http://schemas.microsoft.com/sharepoint/v3/contenttype/forms"/>
+  </ds:schemaRefs>
+</ds:datastoreItem>
+</file>
+
+<file path=customXml/itemProps3.xml><?xml version="1.0" encoding="utf-8"?>
+<ds:datastoreItem xmlns:ds="http://schemas.openxmlformats.org/officeDocument/2006/customXml" ds:itemID="{B247EB90-66CA-4409-98FF-5024AA619E64}">
+  <ds:schemaRefs>
+    <ds:schemaRef ds:uri="7af3f08f-6b65-4c98-b033-853692dc00be"/>
+    <ds:schemaRef ds:uri="f921bb7d-4033-42bd-968a-881fd459c073"/>
+    <ds:schemaRef ds:uri="http://purl.org/dc/dcmitype/"/>
+    <ds:schemaRef ds:uri="http://purl.org/dc/elements/1.1/"/>
+    <ds:schemaRef ds:uri="http://purl.org/dc/terms/"/>
+    <ds:schemaRef ds:uri="http://schemas.microsoft.com/office/2006/documentManagement/types"/>
+    <ds:schemaRef ds:uri="http://schemas.microsoft.com/office/2006/metadata/properties"/>
+    <ds:schemaRef ds:uri="http://schemas.microsoft.com/office/infopath/2007/PartnerControls"/>
+    <ds:schemaRef ds:uri="http://schemas.openxmlformats.org/package/2006/metadata/core-properties"/>
+    <ds:schemaRef ds:uri="http://www.w3.org/XML/1998/namespace"/>
+  </ds:schemaRefs>
+</ds:datastoreItem>
 </file>
--- a/Documentatie/sjabloon affiche project experience - v2.pptx
+++ b/Documentatie/sjabloon affiche project experience - v2.pptx
@@ -474,7 +474,7 @@
           <a:p>
             <a:fld id="{CDF7AF62-86D8-402D-B735-90423DD750BA}" type="datetimeFigureOut">
               <a:rPr lang="nl-BE" smtClean="0"/>
-              <a:t>3/10/2024</a:t>
+              <a:t>17/10/2024</a:t>
             </a:fld>
             <a:endParaRPr lang="nl-BE"/>
           </a:p>
@@ -1761,8 +1761,8 @@
         </p:nvSpPr>
         <p:spPr>
           <a:xfrm>
-            <a:off x="15408275" y="26469474"/>
-            <a:ext cx="6729830" cy="10825299"/>
+            <a:off x="15408275" y="26469475"/>
+            <a:ext cx="6729830" cy="6308250"/>
           </a:xfrm>
           <a:prstGeom prst="rect">
             <a:avLst/>
@@ -1823,8 +1823,8 @@
         </p:nvSpPr>
         <p:spPr>
           <a:xfrm>
-            <a:off x="22762382" y="26469473"/>
-            <a:ext cx="6729830" cy="10825299"/>
+            <a:off x="22762382" y="26469474"/>
+            <a:ext cx="6729830" cy="6308250"/>
           </a:xfrm>
           <a:prstGeom prst="rect">
             <a:avLst/>
@@ -2899,6 +2899,26 @@
 </file>
 
 <file path=customXml/item1.xml><?xml version="1.0" encoding="utf-8"?>
+<p:properties xmlns:p="http://schemas.microsoft.com/office/2006/metadata/properties" xmlns:xsi="http://www.w3.org/2001/XMLSchema-instance" xmlns:pc="http://schemas.microsoft.com/office/infopath/2007/PartnerControls">
+  <documentManagement>
+    <TaxCatchAll xmlns="f921bb7d-4033-42bd-968a-881fd459c073" xsi:nil="true"/>
+    <lcf76f155ced4ddcb4097134ff3c332f xmlns="7af3f08f-6b65-4c98-b033-853692dc00be">
+      <Terms xmlns="http://schemas.microsoft.com/office/infopath/2007/PartnerControls"/>
+    </lcf76f155ced4ddcb4097134ff3c332f>
+  </documentManagement>
+</p:properties>
+</file>
+
+<file path=customXml/item2.xml><?xml version="1.0" encoding="utf-8"?>
+<?mso-contentType ?>
+<FormTemplates xmlns="http://schemas.microsoft.com/sharepoint/v3/contenttype/forms">
+  <Display>DocumentLibraryForm</Display>
+  <Edit>DocumentLibraryForm</Edit>
+  <New>DocumentLibraryForm</New>
+</FormTemplates>
+</file>
+
+<file path=customXml/item3.xml><?xml version="1.0" encoding="utf-8"?>
 <ct:contentTypeSchema xmlns:ct="http://schemas.microsoft.com/office/2006/metadata/contentType" xmlns:ma="http://schemas.microsoft.com/office/2006/metadata/properties/metaAttributes" ct:_="" ma:_="" ma:contentTypeName="Document" ma:contentTypeID="0x0101001EA315BEEDAF0940BE0419D11160810D" ma:contentTypeVersion="13" ma:contentTypeDescription="Een nieuw document maken." ma:contentTypeScope="" ma:versionID="65cc36ba5ecf2b8ae38cfb5d3600ecb6">
   <xsd:schema xmlns:xsd="http://www.w3.org/2001/XMLSchema" xmlns:xs="http://www.w3.org/2001/XMLSchema" xmlns:p="http://schemas.microsoft.com/office/2006/metadata/properties" xmlns:ns2="7af3f08f-6b65-4c98-b033-853692dc00be" xmlns:ns3="f921bb7d-4033-42bd-968a-881fd459c073" targetNamespace="http://schemas.microsoft.com/office/2006/metadata/properties" ma:root="true" ma:fieldsID="4337c3901829783fe22243fefdc46442" ns2:_="" ns3:_="">
     <xsd:import namespace="7af3f08f-6b65-4c98-b033-853692dc00be"/>
@@ -3105,27 +3125,32 @@
 </ct:contentTypeSchema>
 </file>
 
-<file path=customXml/item2.xml><?xml version="1.0" encoding="utf-8"?>
-<?mso-contentType ?>
-<FormTemplates xmlns="http://schemas.microsoft.com/sharepoint/v3/contenttype/forms">
-  <Display>DocumentLibraryForm</Display>
-  <Edit>DocumentLibraryForm</Edit>
-  <New>DocumentLibraryForm</New>
-</FormTemplates>
+<file path=customXml/itemProps1.xml><?xml version="1.0" encoding="utf-8"?>
+<ds:datastoreItem xmlns:ds="http://schemas.openxmlformats.org/officeDocument/2006/customXml" ds:itemID="{B247EB90-66CA-4409-98FF-5024AA619E64}">
+  <ds:schemaRefs>
+    <ds:schemaRef ds:uri="7af3f08f-6b65-4c98-b033-853692dc00be"/>
+    <ds:schemaRef ds:uri="f921bb7d-4033-42bd-968a-881fd459c073"/>
+    <ds:schemaRef ds:uri="http://purl.org/dc/dcmitype/"/>
+    <ds:schemaRef ds:uri="http://purl.org/dc/elements/1.1/"/>
+    <ds:schemaRef ds:uri="http://purl.org/dc/terms/"/>
+    <ds:schemaRef ds:uri="http://schemas.microsoft.com/office/2006/documentManagement/types"/>
+    <ds:schemaRef ds:uri="http://schemas.microsoft.com/office/2006/metadata/properties"/>
+    <ds:schemaRef ds:uri="http://schemas.microsoft.com/office/infopath/2007/PartnerControls"/>
+    <ds:schemaRef ds:uri="http://schemas.openxmlformats.org/package/2006/metadata/core-properties"/>
+    <ds:schemaRef ds:uri="http://www.w3.org/XML/1998/namespace"/>
+  </ds:schemaRefs>
+</ds:datastoreItem>
 </file>
 
-<file path=customXml/item3.xml><?xml version="1.0" encoding="utf-8"?>
-<p:properties xmlns:p="http://schemas.microsoft.com/office/2006/metadata/properties" xmlns:xsi="http://www.w3.org/2001/XMLSchema-instance" xmlns:pc="http://schemas.microsoft.com/office/infopath/2007/PartnerControls">
-  <documentManagement>
-    <TaxCatchAll xmlns="f921bb7d-4033-42bd-968a-881fd459c073" xsi:nil="true"/>
-    <lcf76f155ced4ddcb4097134ff3c332f xmlns="7af3f08f-6b65-4c98-b033-853692dc00be">
-      <Terms xmlns="http://schemas.microsoft.com/office/infopath/2007/PartnerControls"/>
-    </lcf76f155ced4ddcb4097134ff3c332f>
-  </documentManagement>
-</p:properties>
+<file path=customXml/itemProps2.xml><?xml version="1.0" encoding="utf-8"?>
+<ds:datastoreItem xmlns:ds="http://schemas.openxmlformats.org/officeDocument/2006/customXml" ds:itemID="{E1FA04DA-A2C1-4A00-9FA4-1F6991DECE56}">
+  <ds:schemaRefs>
+    <ds:schemaRef ds:uri="http://schemas.microsoft.com/sharepoint/v3/contenttype/forms"/>
+  </ds:schemaRefs>
+</ds:datastoreItem>
 </file>
 
-<file path=customXml/itemProps1.xml><?xml version="1.0" encoding="utf-8"?>
+<file path=customXml/itemProps3.xml><?xml version="1.0" encoding="utf-8"?>
 <ds:datastoreItem xmlns:ds="http://schemas.openxmlformats.org/officeDocument/2006/customXml" ds:itemID="{B09BCEE1-615B-41DE-9A08-D2B491EEAFBE}">
   <ds:schemaRefs>
     <ds:schemaRef ds:uri="7af3f08f-6b65-4c98-b033-853692dc00be"/>
@@ -3142,29 +3167,4 @@
     <ds:schemaRef ds:uri="http://www.w3.org/2001/XMLSchema"/>
   </ds:schemaRefs>
 </ds:datastoreItem>
-</file>
-
-<file path=customXml/itemProps2.xml><?xml version="1.0" encoding="utf-8"?>
-<ds:datastoreItem xmlns:ds="http://schemas.openxmlformats.org/officeDocument/2006/customXml" ds:itemID="{E1FA04DA-A2C1-4A00-9FA4-1F6991DECE56}">
-  <ds:schemaRefs>
-    <ds:schemaRef ds:uri="http://schemas.microsoft.com/sharepoint/v3/contenttype/forms"/>
-  </ds:schemaRefs>
-</ds:datastoreItem>
-</file>
-
-<file path=customXml/itemProps3.xml><?xml version="1.0" encoding="utf-8"?>
-<ds:datastoreItem xmlns:ds="http://schemas.openxmlformats.org/officeDocument/2006/customXml" ds:itemID="{B247EB90-66CA-4409-98FF-5024AA619E64}">
-  <ds:schemaRefs>
-    <ds:schemaRef ds:uri="7af3f08f-6b65-4c98-b033-853692dc00be"/>
-    <ds:schemaRef ds:uri="f921bb7d-4033-42bd-968a-881fd459c073"/>
-    <ds:schemaRef ds:uri="http://purl.org/dc/dcmitype/"/>
-    <ds:schemaRef ds:uri="http://purl.org/dc/elements/1.1/"/>
-    <ds:schemaRef ds:uri="http://purl.org/dc/terms/"/>
-    <ds:schemaRef ds:uri="http://schemas.microsoft.com/office/2006/documentManagement/types"/>
-    <ds:schemaRef ds:uri="http://schemas.microsoft.com/office/2006/metadata/properties"/>
-    <ds:schemaRef ds:uri="http://schemas.microsoft.com/office/infopath/2007/PartnerControls"/>
-    <ds:schemaRef ds:uri="http://schemas.openxmlformats.org/package/2006/metadata/core-properties"/>
-    <ds:schemaRef ds:uri="http://www.w3.org/XML/1998/namespace"/>
-  </ds:schemaRefs>
-</ds:datastoreItem>
 </file>